--- a/DM13-Quality.pptx
+++ b/DM13-Quality.pptx
@@ -4266,8 +4266,15 @@
               <a:t>Voir </a:t>
             </a:r>
             <a:r>
+              <a:rPr lang="fr-FR" dirty="0" err="1"/>
+              <a:t>pdf</a:t>
+            </a:r>
+            <a:endParaRPr lang="fr-FR" dirty="0"/>
+          </a:p>
+          <a:p>
+            <a:r>
               <a:rPr lang="fr-FR"/>
-              <a:t>pdf</a:t>
+              <a:t>TP</a:t>
             </a:r>
           </a:p>
         </p:txBody>
